--- a/ppt/R-06-Stats.pptx
+++ b/ppt/R-06-Stats.pptx
@@ -5200,10 +5200,14 @@
             </a:r>
             <a:r>
               <a:rPr lang="fr-FR" dirty="0"/>
-              <a:t>faut alors préférer la </a:t>
-            </a:r>
-            <a:r>
-              <a:rPr lang="fr-FR" dirty="0" err="1" smtClean="0"/>
+              <a:t>faut alors </a:t>
+            </a:r>
+            <a:r>
+              <a:rPr lang="fr-FR"/>
+              <a:t>préférer </a:t>
+            </a:r>
+            <a:r>
+              <a:rPr lang="fr-FR" smtClean="0"/>
               <a:t>order</a:t>
             </a:r>
             <a:r>

--- a/ppt/R-06-Stats.pptx
+++ b/ppt/R-06-Stats.pptx
@@ -3924,6 +3924,13 @@
   <p:clrMapOvr>
     <a:masterClrMapping/>
   </p:clrMapOvr>
+  <p:timing>
+    <p:tnLst>
+      <p:par>
+        <p:cTn id="1" dur="indefinite" restart="never" nodeType="tmRoot"/>
+      </p:par>
+    </p:tnLst>
+  </p:timing>
 </p:sld>
 </file>
 
@@ -4047,6 +4054,13 @@
   <p:clrMapOvr>
     <a:masterClrMapping/>
   </p:clrMapOvr>
+  <p:timing>
+    <p:tnLst>
+      <p:par>
+        <p:cTn id="1" dur="indefinite" restart="never" nodeType="tmRoot"/>
+      </p:par>
+    </p:tnLst>
+  </p:timing>
 </p:sld>
 </file>
 
@@ -4499,6 +4513,13 @@
   <p:clrMapOvr>
     <a:masterClrMapping/>
   </p:clrMapOvr>
+  <p:timing>
+    <p:tnLst>
+      <p:par>
+        <p:cTn id="1" dur="indefinite" restart="never" nodeType="tmRoot"/>
+      </p:par>
+    </p:tnLst>
+  </p:timing>
 </p:sld>
 </file>
 
@@ -4605,6 +4626,13 @@
   <p:clrMapOvr>
     <a:masterClrMapping/>
   </p:clrMapOvr>
+  <p:timing>
+    <p:tnLst>
+      <p:par>
+        <p:cTn id="1" dur="indefinite" restart="never" nodeType="tmRoot"/>
+      </p:par>
+    </p:tnLst>
+  </p:timing>
 </p:sld>
 </file>
 
@@ -4669,25 +4697,11 @@
             </a:r>
           </a:p>
           <a:p>
-            <a:pPr lvl="1"/>
-            <a:r>
-              <a:rPr lang="fr-FR" dirty="0" smtClean="0"/>
-              <a:t>démo avec </a:t>
-            </a:r>
-            <a:r>
-              <a:rPr lang="fr-FR" dirty="0" err="1" smtClean="0"/>
-              <a:t>taille.Rdata</a:t>
-            </a:r>
-            <a:r>
-              <a:rPr lang="fr-FR" dirty="0" smtClean="0"/>
-              <a:t> (lire taille.txt)</a:t>
-            </a:r>
-          </a:p>
-          <a:p>
             <a:r>
               <a:rPr lang="fr-FR" dirty="0" smtClean="0"/>
               <a:t>Union</a:t>
             </a:r>
+            <a:endParaRPr lang="fr-FR" dirty="0" smtClean="0"/>
           </a:p>
           <a:p>
             <a:pPr lvl="1"/>
@@ -4819,6 +4833,13 @@
   <p:clrMapOvr>
     <a:masterClrMapping/>
   </p:clrMapOvr>
+  <p:timing>
+    <p:tnLst>
+      <p:par>
+        <p:cTn id="1" dur="indefinite" restart="never" nodeType="tmRoot"/>
+      </p:par>
+    </p:tnLst>
+  </p:timing>
 </p:sld>
 </file>
 
@@ -4960,6 +4981,13 @@
   <p:clrMapOvr>
     <a:masterClrMapping/>
   </p:clrMapOvr>
+  <p:timing>
+    <p:tnLst>
+      <p:par>
+        <p:cTn id="1" dur="indefinite" restart="never" nodeType="tmRoot"/>
+      </p:par>
+    </p:tnLst>
+  </p:timing>
 </p:sld>
 </file>
 
@@ -5104,6 +5132,13 @@
   <p:clrMapOvr>
     <a:masterClrMapping/>
   </p:clrMapOvr>
+  <p:timing>
+    <p:tnLst>
+      <p:par>
+        <p:cTn id="1" dur="indefinite" restart="never" nodeType="tmRoot"/>
+      </p:par>
+    </p:tnLst>
+  </p:timing>
 </p:sld>
 </file>
 
@@ -5281,6 +5316,13 @@
   <p:clrMapOvr>
     <a:masterClrMapping/>
   </p:clrMapOvr>
+  <p:timing>
+    <p:tnLst>
+      <p:par>
+        <p:cTn id="1" dur="indefinite" restart="never" nodeType="tmRoot"/>
+      </p:par>
+    </p:tnLst>
+  </p:timing>
 </p:sld>
 </file>
 
@@ -5402,6 +5444,13 @@
   <p:clrMapOvr>
     <a:masterClrMapping/>
   </p:clrMapOvr>
+  <p:timing>
+    <p:tnLst>
+      <p:par>
+        <p:cTn id="1" dur="indefinite" restart="never" nodeType="tmRoot"/>
+      </p:par>
+    </p:tnLst>
+  </p:timing>
 </p:sld>
 </file>
 
@@ -5564,6 +5613,13 @@
   <p:clrMapOvr>
     <a:masterClrMapping/>
   </p:clrMapOvr>
+  <p:timing>
+    <p:tnLst>
+      <p:par>
+        <p:cTn id="1" dur="indefinite" restart="never" nodeType="tmRoot"/>
+      </p:par>
+    </p:tnLst>
+  </p:timing>
 </p:sld>
 </file>
 
@@ -5711,6 +5767,13 @@
   <p:clrMapOvr>
     <a:masterClrMapping/>
   </p:clrMapOvr>
+  <p:timing>
+    <p:tnLst>
+      <p:par>
+        <p:cTn id="1" dur="indefinite" restart="never" nodeType="tmRoot"/>
+      </p:par>
+    </p:tnLst>
+  </p:timing>
 </p:sld>
 </file>
 
@@ -5848,6 +5911,13 @@
   <p:clrMapOvr>
     <a:masterClrMapping/>
   </p:clrMapOvr>
+  <p:timing>
+    <p:tnLst>
+      <p:par>
+        <p:cTn id="1" dur="indefinite" restart="never" nodeType="tmRoot"/>
+      </p:par>
+    </p:tnLst>
+  </p:timing>
 </p:sld>
 </file>
 
@@ -5948,6 +6018,13 @@
   <p:clrMapOvr>
     <a:masterClrMapping/>
   </p:clrMapOvr>
+  <p:timing>
+    <p:tnLst>
+      <p:par>
+        <p:cTn id="1" dur="indefinite" restart="never" nodeType="tmRoot"/>
+      </p:par>
+    </p:tnLst>
+  </p:timing>
 </p:sld>
 </file>
 
@@ -6069,6 +6146,13 @@
   <p:clrMapOvr>
     <a:masterClrMapping/>
   </p:clrMapOvr>
+  <p:timing>
+    <p:tnLst>
+      <p:par>
+        <p:cTn id="1" dur="indefinite" restart="never" nodeType="tmRoot"/>
+      </p:par>
+    </p:tnLst>
+  </p:timing>
 </p:sld>
 </file>
 
@@ -6160,6 +6244,13 @@
   <p:clrMapOvr>
     <a:masterClrMapping/>
   </p:clrMapOvr>
+  <p:timing>
+    <p:tnLst>
+      <p:par>
+        <p:cTn id="1" dur="indefinite" restart="never" nodeType="tmRoot"/>
+      </p:par>
+    </p:tnLst>
+  </p:timing>
 </p:sld>
 </file>
 
@@ -6326,6 +6417,13 @@
   <p:clrMapOvr>
     <a:masterClrMapping/>
   </p:clrMapOvr>
+  <p:timing>
+    <p:tnLst>
+      <p:par>
+        <p:cTn id="1" dur="indefinite" restart="never" nodeType="tmRoot"/>
+      </p:par>
+    </p:tnLst>
+  </p:timing>
 </p:sld>
 </file>
 

--- a/ppt/R-06-Stats.pptx
+++ b/ppt/R-06-Stats.pptx
@@ -622,35 +622,35 @@
           <a:p>
             <a:pPr lvl="0"/>
             <a:r>
-              <a:rPr lang="fr-FR" noProof="0" smtClean="0"/>
+              <a:rPr lang="fr-FR" noProof="0"/>
               <a:t>Cliquez pour modifier les styles du texte du masque</a:t>
             </a:r>
           </a:p>
           <a:p>
             <a:pPr lvl="1"/>
             <a:r>
-              <a:rPr lang="fr-FR" noProof="0" smtClean="0"/>
+              <a:rPr lang="fr-FR" noProof="0"/>
               <a:t>Deuxième niveau</a:t>
             </a:r>
           </a:p>
           <a:p>
             <a:pPr lvl="2"/>
             <a:r>
-              <a:rPr lang="fr-FR" noProof="0" smtClean="0"/>
+              <a:rPr lang="fr-FR" noProof="0"/>
               <a:t>Troisième niveau</a:t>
             </a:r>
           </a:p>
           <a:p>
             <a:pPr lvl="3"/>
             <a:r>
-              <a:rPr lang="fr-FR" noProof="0" smtClean="0"/>
+              <a:rPr lang="fr-FR" noProof="0"/>
               <a:t>Quatrième niveau</a:t>
             </a:r>
           </a:p>
           <a:p>
             <a:pPr lvl="4"/>
             <a:r>
-              <a:rPr lang="fr-FR" noProof="0" smtClean="0"/>
+              <a:rPr lang="fr-FR" noProof="0"/>
               <a:t>Cinquième niveau</a:t>
             </a:r>
           </a:p>
@@ -938,10 +938,9 @@
           <a:lstStyle/>
           <a:p>
             <a:r>
-              <a:rPr lang="fr-FR" smtClean="0"/>
+              <a:rPr lang="fr-FR"/>
               <a:t>Cliquez pour modifier le style du titre</a:t>
             </a:r>
-            <a:endParaRPr lang="fr-FR"/>
           </a:p>
         </p:txBody>
       </p:sp>
@@ -1003,10 +1002,9 @@
           </a:lstStyle>
           <a:p>
             <a:r>
-              <a:rPr lang="fr-FR" smtClean="0"/>
+              <a:rPr lang="fr-FR"/>
               <a:t>Cliquez pour modifier le style des sous-titres du masque</a:t>
             </a:r>
-            <a:endParaRPr lang="fr-FR"/>
           </a:p>
         </p:txBody>
       </p:sp>
@@ -1061,10 +1059,9 @@
           <a:lstStyle/>
           <a:p>
             <a:r>
-              <a:rPr lang="fr-FR" smtClean="0"/>
+              <a:rPr lang="fr-FR"/>
               <a:t>Cliquez pour modifier le style du titre</a:t>
             </a:r>
-            <a:endParaRPr lang="fr-FR"/>
           </a:p>
         </p:txBody>
       </p:sp>
@@ -1090,38 +1087,37 @@
           <a:p>
             <a:pPr lvl="0"/>
             <a:r>
-              <a:rPr lang="fr-FR" smtClean="0"/>
+              <a:rPr lang="fr-FR"/>
               <a:t>Cliquez pour modifier les styles du texte du masque</a:t>
             </a:r>
           </a:p>
           <a:p>
             <a:pPr lvl="1"/>
             <a:r>
-              <a:rPr lang="fr-FR" smtClean="0"/>
+              <a:rPr lang="fr-FR"/>
               <a:t>Deuxième niveau</a:t>
             </a:r>
           </a:p>
           <a:p>
             <a:pPr lvl="2"/>
             <a:r>
-              <a:rPr lang="fr-FR" smtClean="0"/>
+              <a:rPr lang="fr-FR"/>
               <a:t>Troisième niveau</a:t>
             </a:r>
           </a:p>
           <a:p>
             <a:pPr lvl="3"/>
             <a:r>
-              <a:rPr lang="fr-FR" smtClean="0"/>
+              <a:rPr lang="fr-FR"/>
               <a:t>Quatrième niveau</a:t>
             </a:r>
           </a:p>
           <a:p>
             <a:pPr lvl="4"/>
             <a:r>
-              <a:rPr lang="fr-FR" smtClean="0"/>
+              <a:rPr lang="fr-FR"/>
               <a:t>Cinquième niveau</a:t>
             </a:r>
-            <a:endParaRPr lang="fr-FR"/>
           </a:p>
         </p:txBody>
       </p:sp>
@@ -1180,10 +1176,9 @@
           </a:lstStyle>
           <a:p>
             <a:r>
-              <a:rPr lang="fr-FR" dirty="0" smtClean="0"/>
+              <a:rPr lang="fr-FR" dirty="0"/>
               <a:t>Cliquez pour modifier le style du titre</a:t>
             </a:r>
-            <a:endParaRPr lang="fr-FR" dirty="0"/>
           </a:p>
         </p:txBody>
       </p:sp>
@@ -1209,38 +1204,37 @@
           <a:p>
             <a:pPr lvl="0"/>
             <a:r>
-              <a:rPr lang="fr-FR" dirty="0" smtClean="0"/>
+              <a:rPr lang="fr-FR" dirty="0"/>
               <a:t>Cliquez pour modifier les styles du texte du masque</a:t>
             </a:r>
           </a:p>
           <a:p>
             <a:pPr lvl="1"/>
             <a:r>
-              <a:rPr lang="fr-FR" dirty="0" smtClean="0"/>
+              <a:rPr lang="fr-FR" dirty="0"/>
               <a:t>Deuxième niveau</a:t>
             </a:r>
           </a:p>
           <a:p>
             <a:pPr lvl="2"/>
             <a:r>
-              <a:rPr lang="fr-FR" dirty="0" smtClean="0"/>
+              <a:rPr lang="fr-FR" dirty="0"/>
               <a:t>Troisième niveau</a:t>
             </a:r>
           </a:p>
           <a:p>
             <a:pPr lvl="3"/>
             <a:r>
-              <a:rPr lang="fr-FR" dirty="0" smtClean="0"/>
+              <a:rPr lang="fr-FR" dirty="0"/>
               <a:t>Quatrième niveau</a:t>
             </a:r>
           </a:p>
           <a:p>
             <a:pPr lvl="4"/>
             <a:r>
-              <a:rPr lang="fr-FR" dirty="0" smtClean="0"/>
+              <a:rPr lang="fr-FR" dirty="0"/>
               <a:t>Cinquième niveau</a:t>
             </a:r>
-            <a:endParaRPr lang="fr-FR" dirty="0"/>
           </a:p>
         </p:txBody>
       </p:sp>
@@ -1290,10 +1284,9 @@
           <a:lstStyle/>
           <a:p>
             <a:r>
-              <a:rPr lang="fr-FR" smtClean="0"/>
+              <a:rPr lang="fr-FR"/>
               <a:t>Cliquez pour modifier le style du titre</a:t>
             </a:r>
-            <a:endParaRPr lang="fr-FR"/>
           </a:p>
         </p:txBody>
       </p:sp>
@@ -1347,38 +1340,37 @@
           <a:p>
             <a:pPr lvl="0"/>
             <a:r>
-              <a:rPr lang="fr-FR" smtClean="0"/>
+              <a:rPr lang="fr-FR"/>
               <a:t>Cliquez pour modifier les styles du texte du masque</a:t>
             </a:r>
           </a:p>
           <a:p>
             <a:pPr lvl="1"/>
             <a:r>
-              <a:rPr lang="fr-FR" smtClean="0"/>
+              <a:rPr lang="fr-FR"/>
               <a:t>Deuxième niveau</a:t>
             </a:r>
           </a:p>
           <a:p>
             <a:pPr lvl="2"/>
             <a:r>
-              <a:rPr lang="fr-FR" smtClean="0"/>
+              <a:rPr lang="fr-FR"/>
               <a:t>Troisième niveau</a:t>
             </a:r>
           </a:p>
           <a:p>
             <a:pPr lvl="3"/>
             <a:r>
-              <a:rPr lang="fr-FR" smtClean="0"/>
+              <a:rPr lang="fr-FR"/>
               <a:t>Quatrième niveau</a:t>
             </a:r>
           </a:p>
           <a:p>
             <a:pPr lvl="4"/>
             <a:r>
-              <a:rPr lang="fr-FR" smtClean="0"/>
+              <a:rPr lang="fr-FR"/>
               <a:t>Cinquième niveau</a:t>
             </a:r>
-            <a:endParaRPr lang="fr-FR"/>
           </a:p>
         </p:txBody>
       </p:sp>
@@ -1432,38 +1424,37 @@
           <a:p>
             <a:pPr lvl="0"/>
             <a:r>
-              <a:rPr lang="fr-FR" smtClean="0"/>
+              <a:rPr lang="fr-FR"/>
               <a:t>Cliquez pour modifier les styles du texte du masque</a:t>
             </a:r>
           </a:p>
           <a:p>
             <a:pPr lvl="1"/>
             <a:r>
-              <a:rPr lang="fr-FR" smtClean="0"/>
+              <a:rPr lang="fr-FR"/>
               <a:t>Deuxième niveau</a:t>
             </a:r>
           </a:p>
           <a:p>
             <a:pPr lvl="2"/>
             <a:r>
-              <a:rPr lang="fr-FR" smtClean="0"/>
+              <a:rPr lang="fr-FR"/>
               <a:t>Troisième niveau</a:t>
             </a:r>
           </a:p>
           <a:p>
             <a:pPr lvl="3"/>
             <a:r>
-              <a:rPr lang="fr-FR" smtClean="0"/>
+              <a:rPr lang="fr-FR"/>
               <a:t>Quatrième niveau</a:t>
             </a:r>
           </a:p>
           <a:p>
             <a:pPr lvl="4"/>
             <a:r>
-              <a:rPr lang="fr-FR" smtClean="0"/>
+              <a:rPr lang="fr-FR"/>
               <a:t>Cinquième niveau</a:t>
             </a:r>
-            <a:endParaRPr lang="fr-FR"/>
           </a:p>
         </p:txBody>
       </p:sp>
@@ -1522,10 +1513,9 @@
           </a:lstStyle>
           <a:p>
             <a:r>
-              <a:rPr lang="fr-FR" smtClean="0"/>
+              <a:rPr lang="fr-FR"/>
               <a:t>Cliquez pour modifier le style du titre</a:t>
             </a:r>
-            <a:endParaRPr lang="fr-FR"/>
           </a:p>
         </p:txBody>
       </p:sp>
@@ -1588,7 +1578,7 @@
           <a:p>
             <a:pPr lvl="0"/>
             <a:r>
-              <a:rPr lang="fr-FR" smtClean="0"/>
+              <a:rPr lang="fr-FR"/>
               <a:t>Cliquez pour modifier les styles du texte du masque</a:t>
             </a:r>
           </a:p>
@@ -1644,38 +1634,37 @@
           <a:p>
             <a:pPr lvl="0"/>
             <a:r>
-              <a:rPr lang="fr-FR" smtClean="0"/>
+              <a:rPr lang="fr-FR"/>
               <a:t>Cliquez pour modifier les styles du texte du masque</a:t>
             </a:r>
           </a:p>
           <a:p>
             <a:pPr lvl="1"/>
             <a:r>
-              <a:rPr lang="fr-FR" smtClean="0"/>
+              <a:rPr lang="fr-FR"/>
               <a:t>Deuxième niveau</a:t>
             </a:r>
           </a:p>
           <a:p>
             <a:pPr lvl="2"/>
             <a:r>
-              <a:rPr lang="fr-FR" smtClean="0"/>
+              <a:rPr lang="fr-FR"/>
               <a:t>Troisième niveau</a:t>
             </a:r>
           </a:p>
           <a:p>
             <a:pPr lvl="3"/>
             <a:r>
-              <a:rPr lang="fr-FR" smtClean="0"/>
+              <a:rPr lang="fr-FR"/>
               <a:t>Quatrième niveau</a:t>
             </a:r>
           </a:p>
           <a:p>
             <a:pPr lvl="4"/>
             <a:r>
-              <a:rPr lang="fr-FR" smtClean="0"/>
+              <a:rPr lang="fr-FR"/>
               <a:t>Cinquième niveau</a:t>
             </a:r>
-            <a:endParaRPr lang="fr-FR"/>
           </a:p>
         </p:txBody>
       </p:sp>
@@ -1738,7 +1727,7 @@
           <a:p>
             <a:pPr lvl="0"/>
             <a:r>
-              <a:rPr lang="fr-FR" smtClean="0"/>
+              <a:rPr lang="fr-FR"/>
               <a:t>Cliquez pour modifier les styles du texte du masque</a:t>
             </a:r>
           </a:p>
@@ -1794,38 +1783,37 @@
           <a:p>
             <a:pPr lvl="0"/>
             <a:r>
-              <a:rPr lang="fr-FR" smtClean="0"/>
+              <a:rPr lang="fr-FR"/>
               <a:t>Cliquez pour modifier les styles du texte du masque</a:t>
             </a:r>
           </a:p>
           <a:p>
             <a:pPr lvl="1"/>
             <a:r>
-              <a:rPr lang="fr-FR" smtClean="0"/>
+              <a:rPr lang="fr-FR"/>
               <a:t>Deuxième niveau</a:t>
             </a:r>
           </a:p>
           <a:p>
             <a:pPr lvl="2"/>
             <a:r>
-              <a:rPr lang="fr-FR" smtClean="0"/>
+              <a:rPr lang="fr-FR"/>
               <a:t>Troisième niveau</a:t>
             </a:r>
           </a:p>
           <a:p>
             <a:pPr lvl="3"/>
             <a:r>
-              <a:rPr lang="fr-FR" smtClean="0"/>
+              <a:rPr lang="fr-FR"/>
               <a:t>Quatrième niveau</a:t>
             </a:r>
           </a:p>
           <a:p>
             <a:pPr lvl="4"/>
             <a:r>
-              <a:rPr lang="fr-FR" smtClean="0"/>
+              <a:rPr lang="fr-FR"/>
               <a:t>Cinquième niveau</a:t>
             </a:r>
-            <a:endParaRPr lang="fr-FR"/>
           </a:p>
         </p:txBody>
       </p:sp>
@@ -1875,10 +1863,9 @@
           <a:lstStyle/>
           <a:p>
             <a:r>
-              <a:rPr lang="fr-FR" smtClean="0"/>
+              <a:rPr lang="fr-FR"/>
               <a:t>Cliquez pour modifier le style du titre</a:t>
             </a:r>
-            <a:endParaRPr lang="fr-FR"/>
           </a:p>
         </p:txBody>
       </p:sp>
@@ -1967,10 +1954,9 @@
           </a:lstStyle>
           <a:p>
             <a:r>
-              <a:rPr lang="fr-FR" smtClean="0"/>
+              <a:rPr lang="fr-FR"/>
               <a:t>Cliquez pour modifier le style du titre</a:t>
             </a:r>
-            <a:endParaRPr lang="fr-FR"/>
           </a:p>
         </p:txBody>
       </p:sp>
@@ -2024,38 +2010,37 @@
           <a:p>
             <a:pPr lvl="0"/>
             <a:r>
-              <a:rPr lang="fr-FR" smtClean="0"/>
+              <a:rPr lang="fr-FR"/>
               <a:t>Cliquez pour modifier les styles du texte du masque</a:t>
             </a:r>
           </a:p>
           <a:p>
             <a:pPr lvl="1"/>
             <a:r>
-              <a:rPr lang="fr-FR" smtClean="0"/>
+              <a:rPr lang="fr-FR"/>
               <a:t>Deuxième niveau</a:t>
             </a:r>
           </a:p>
           <a:p>
             <a:pPr lvl="2"/>
             <a:r>
-              <a:rPr lang="fr-FR" smtClean="0"/>
+              <a:rPr lang="fr-FR"/>
               <a:t>Troisième niveau</a:t>
             </a:r>
           </a:p>
           <a:p>
             <a:pPr lvl="3"/>
             <a:r>
-              <a:rPr lang="fr-FR" smtClean="0"/>
+              <a:rPr lang="fr-FR"/>
               <a:t>Quatrième niveau</a:t>
             </a:r>
           </a:p>
           <a:p>
             <a:pPr lvl="4"/>
             <a:r>
-              <a:rPr lang="fr-FR" smtClean="0"/>
+              <a:rPr lang="fr-FR"/>
               <a:t>Cinquième niveau</a:t>
             </a:r>
-            <a:endParaRPr lang="fr-FR"/>
           </a:p>
         </p:txBody>
       </p:sp>
@@ -2118,7 +2103,7 @@
           <a:p>
             <a:pPr lvl="0"/>
             <a:r>
-              <a:rPr lang="fr-FR" smtClean="0"/>
+              <a:rPr lang="fr-FR"/>
               <a:t>Cliquez pour modifier les styles du texte du masque</a:t>
             </a:r>
           </a:p>
@@ -2179,10 +2164,9 @@
           </a:lstStyle>
           <a:p>
             <a:r>
-              <a:rPr lang="fr-FR" smtClean="0"/>
+              <a:rPr lang="fr-FR"/>
               <a:t>Cliquez pour modifier le style du titre</a:t>
             </a:r>
-            <a:endParaRPr lang="fr-FR"/>
           </a:p>
         </p:txBody>
       </p:sp>
@@ -2244,7 +2228,7 @@
           </a:lstStyle>
           <a:p>
             <a:pPr lvl="0"/>
-            <a:endParaRPr lang="fr-FR" noProof="0" smtClean="0"/>
+            <a:endParaRPr lang="fr-FR" noProof="0"/>
           </a:p>
         </p:txBody>
       </p:sp>
@@ -2307,7 +2291,7 @@
           <a:p>
             <a:pPr lvl="0"/>
             <a:r>
-              <a:rPr lang="fr-FR" smtClean="0"/>
+              <a:rPr lang="fr-FR"/>
               <a:t>Cliquez pour modifier les styles du texte du masque</a:t>
             </a:r>
           </a:p>
@@ -2359,10 +2343,9 @@
           <a:lstStyle/>
           <a:p>
             <a:r>
-              <a:rPr lang="fr-FR" smtClean="0"/>
+              <a:rPr lang="fr-FR"/>
               <a:t>Cliquez pour modifier le style du titre</a:t>
             </a:r>
-            <a:endParaRPr lang="fr-FR"/>
           </a:p>
         </p:txBody>
       </p:sp>
@@ -2383,38 +2366,37 @@
           <a:p>
             <a:pPr lvl="0"/>
             <a:r>
-              <a:rPr lang="fr-FR" smtClean="0"/>
+              <a:rPr lang="fr-FR"/>
               <a:t>Cliquez pour modifier les styles du texte du masque</a:t>
             </a:r>
           </a:p>
           <a:p>
             <a:pPr lvl="1"/>
             <a:r>
-              <a:rPr lang="fr-FR" smtClean="0"/>
+              <a:rPr lang="fr-FR"/>
               <a:t>Deuxième niveau</a:t>
             </a:r>
           </a:p>
           <a:p>
             <a:pPr lvl="2"/>
             <a:r>
-              <a:rPr lang="fr-FR" smtClean="0"/>
+              <a:rPr lang="fr-FR"/>
               <a:t>Troisième niveau</a:t>
             </a:r>
           </a:p>
           <a:p>
             <a:pPr lvl="3"/>
             <a:r>
-              <a:rPr lang="fr-FR" smtClean="0"/>
+              <a:rPr lang="fr-FR"/>
               <a:t>Quatrième niveau</a:t>
             </a:r>
           </a:p>
           <a:p>
             <a:pPr lvl="4"/>
             <a:r>
-              <a:rPr lang="fr-FR" smtClean="0"/>
+              <a:rPr lang="fr-FR"/>
               <a:t>Cinquième niveau</a:t>
             </a:r>
-            <a:endParaRPr lang="fr-FR"/>
           </a:p>
         </p:txBody>
       </p:sp>
@@ -2595,7 +2577,7 @@
             <a:pPr eaLnBrk="1" hangingPunct="1">
               <a:defRPr/>
             </a:pPr>
-            <a:endParaRPr lang="fr-FR" altLang="fr-FR" smtClean="0"/>
+            <a:endParaRPr lang="fr-FR" altLang="fr-FR"/>
           </a:p>
         </p:txBody>
       </p:sp>
@@ -2749,7 +2731,7 @@
               <a:defRPr/>
             </a:pPr>
             <a:r>
-              <a:rPr lang="fr-FR" sz="1200" dirty="0" smtClean="0"/>
+              <a:rPr lang="fr-FR" sz="1200" dirty="0"/>
               <a:t>Page </a:t>
             </a:r>
             <a:fld id="{E218E9B1-FD08-4C80-902E-210BA2967D0D}" type="slidenum">
@@ -2762,7 +2744,7 @@
               </a:pPr>
               <a:t>‹N°›</a:t>
             </a:fld>
-            <a:endParaRPr lang="fr-FR" dirty="0" smtClean="0">
+            <a:endParaRPr lang="fr-FR" dirty="0">
               <a:latin typeface="Times New Roman" pitchFamily="18" charset="0"/>
             </a:endParaRPr>
           </a:p>
@@ -2918,10 +2900,10 @@
               <a:defRPr/>
             </a:pPr>
             <a:r>
-              <a:rPr lang="fr-FR" sz="1600" dirty="0" smtClean="0"/>
+              <a:rPr lang="fr-FR" sz="1600" dirty="0"/>
               <a:t>R</a:t>
             </a:r>
-            <a:endParaRPr lang="fr-FR" dirty="0" smtClean="0">
+            <a:endParaRPr lang="fr-FR" dirty="0">
               <a:latin typeface="Times New Roman" pitchFamily="18" charset="0"/>
             </a:endParaRPr>
           </a:p>
@@ -2979,7 +2961,7 @@
           <a:p>
             <a:pPr lvl="0"/>
             <a:r>
-              <a:rPr lang="fr-FR" altLang="fr-FR" smtClean="0"/>
+              <a:rPr lang="fr-FR" altLang="fr-FR"/>
               <a:t>Cliquez pour modifier le style du titre du masque</a:t>
             </a:r>
           </a:p>
@@ -3037,35 +3019,35 @@
           <a:p>
             <a:pPr lvl="0"/>
             <a:r>
-              <a:rPr lang="fr-FR" altLang="fr-FR" smtClean="0"/>
+              <a:rPr lang="fr-FR" altLang="fr-FR"/>
               <a:t>Cliquez pour modifier les styles du texte du masque</a:t>
             </a:r>
           </a:p>
           <a:p>
             <a:pPr lvl="1"/>
             <a:r>
-              <a:rPr lang="fr-FR" altLang="fr-FR" smtClean="0"/>
+              <a:rPr lang="fr-FR" altLang="fr-FR"/>
               <a:t>Deuxième niveau</a:t>
             </a:r>
           </a:p>
           <a:p>
             <a:pPr lvl="2"/>
             <a:r>
-              <a:rPr lang="fr-FR" altLang="fr-FR" smtClean="0"/>
+              <a:rPr lang="fr-FR" altLang="fr-FR"/>
               <a:t>Troisième niveau</a:t>
             </a:r>
           </a:p>
           <a:p>
             <a:pPr lvl="3"/>
             <a:r>
-              <a:rPr lang="fr-FR" altLang="fr-FR" smtClean="0"/>
+              <a:rPr lang="fr-FR" altLang="fr-FR"/>
               <a:t>Quatrième niveau</a:t>
             </a:r>
           </a:p>
           <a:p>
             <a:pPr lvl="4"/>
             <a:r>
-              <a:rPr lang="fr-FR" altLang="fr-FR" smtClean="0"/>
+              <a:rPr lang="fr-FR" altLang="fr-FR"/>
               <a:t>Cinquième niveau</a:t>
             </a:r>
           </a:p>
@@ -3221,10 +3203,10 @@
               <a:defRPr/>
             </a:pPr>
             <a:r>
-              <a:rPr lang="fr-FR" sz="1200" smtClean="0"/>
+              <a:rPr lang="fr-FR" sz="1200"/>
               <a:t>© Cyril Vincent Conseil</a:t>
             </a:r>
-            <a:endParaRPr lang="fr-FR" smtClean="0">
+            <a:endParaRPr lang="fr-FR">
               <a:latin typeface="Times New Roman" pitchFamily="18" charset="0"/>
             </a:endParaRPr>
           </a:p>
@@ -3706,26 +3688,21 @@
           <a:p>
             <a:pPr eaLnBrk="1" hangingPunct="1"/>
             <a:r>
-              <a:rPr lang="fr-FR" altLang="fr-FR" dirty="0" smtClean="0"/>
-              <a:t>Chapitre </a:t>
-            </a:r>
-            <a:r>
               <a:rPr lang="fr-FR" altLang="fr-FR" dirty="0"/>
-              <a:t>6</a:t>
-            </a:r>
-            <a:endParaRPr lang="fr-FR" altLang="fr-FR" dirty="0" smtClean="0"/>
+              <a:t>Chapitre 6</a:t>
+            </a:r>
           </a:p>
           <a:p>
             <a:pPr eaLnBrk="1" hangingPunct="1"/>
             <a:r>
-              <a:rPr lang="fr-FR" altLang="fr-FR" dirty="0" smtClean="0"/>
+              <a:rPr lang="fr-FR" altLang="fr-FR" dirty="0"/>
               <a:t>Statistiques de base</a:t>
             </a:r>
           </a:p>
           <a:p>
             <a:pPr eaLnBrk="1" hangingPunct="1"/>
             <a:r>
-              <a:rPr lang="fr-FR" altLang="fr-FR" dirty="0" smtClean="0"/>
+              <a:rPr lang="fr-FR" altLang="fr-FR" dirty="0"/>
               <a:t>www.CyrilVincent.com</a:t>
             </a:r>
           </a:p>
@@ -3777,13 +3754,6 @@
   <p:clrMapOvr>
     <a:masterClrMapping/>
   </p:clrMapOvr>
-  <p:timing>
-    <p:tnLst>
-      <p:par>
-        <p:cTn id="1" dur="indefinite" restart="never" nodeType="tmRoot"/>
-      </p:par>
-    </p:tnLst>
-  </p:timing>
 </p:sld>
 </file>
 
@@ -3820,10 +3790,9 @@
           <a:lstStyle/>
           <a:p>
             <a:r>
-              <a:rPr lang="fr-FR" dirty="0" smtClean="0"/>
+              <a:rPr lang="fr-FR" dirty="0"/>
               <a:t>Médiane</a:t>
             </a:r>
-            <a:endParaRPr lang="fr-FR" dirty="0"/>
           </a:p>
         </p:txBody>
       </p:sp>
@@ -3844,73 +3813,36 @@
           <a:p>
             <a:r>
               <a:rPr lang="fr-FR" sz="2400" dirty="0"/>
-              <a:t>La médiane est la valeur qui permet de partager une série numérique ordonnée en deux parties de même nombre </a:t>
-            </a:r>
-            <a:r>
-              <a:rPr lang="fr-FR" sz="2400" dirty="0" smtClean="0"/>
-              <a:t>d'élément</a:t>
+              <a:t>La médiane est la valeur qui permet de partager une série numérique ordonnée en deux parties de même nombre d'élément</a:t>
             </a:r>
           </a:p>
           <a:p>
             <a:pPr lvl="1"/>
             <a:r>
-              <a:rPr lang="fr-FR" sz="2000" dirty="0" smtClean="0"/>
-              <a:t>On </a:t>
-            </a:r>
-            <a:r>
               <a:rPr lang="fr-FR" sz="2000" dirty="0"/>
-              <a:t>dit aussi généralement qu'il s'agit de la valeur centrale d'une </a:t>
-            </a:r>
-            <a:r>
-              <a:rPr lang="fr-FR" sz="2000" dirty="0" smtClean="0"/>
-              <a:t>distribution</a:t>
+              <a:t>On dit aussi généralement qu'il s'agit de la valeur centrale d'une distribution</a:t>
             </a:r>
           </a:p>
           <a:p>
             <a:pPr lvl="1"/>
             <a:r>
-              <a:rPr lang="fr-FR" sz="2000" dirty="0" smtClean="0"/>
-              <a:t>Si </a:t>
-            </a:r>
-            <a:r>
               <a:rPr lang="fr-FR" sz="2000" dirty="0"/>
-              <a:t>vous prenez par exemple la série 1,2,3,4,5 la médiane sera 3 car il y a autant d'éléments avant qu'après </a:t>
-            </a:r>
-            <a:r>
-              <a:rPr lang="fr-FR" sz="2000" dirty="0" smtClean="0"/>
-              <a:t>3</a:t>
+              <a:t>Si vous prenez par exemple la série 1,2,3,4,5 la médiane sera 3 car il y a autant d'éléments avant qu'après 3</a:t>
             </a:r>
           </a:p>
           <a:p>
             <a:pPr lvl="1"/>
             <a:r>
-              <a:rPr lang="fr-FR" sz="2000" dirty="0" smtClean="0"/>
-              <a:t>Pour </a:t>
-            </a:r>
-            <a:r>
               <a:rPr lang="fr-FR" sz="2000" dirty="0"/>
-              <a:t>une distribution contenant un nombre pair d'éléments la médiane sera alors la moyenne des deux valeurs les plus </a:t>
-            </a:r>
-            <a:r>
-              <a:rPr lang="fr-FR" sz="2000" dirty="0" smtClean="0"/>
-              <a:t>centrales</a:t>
+              <a:t>Pour une distribution contenant un nombre pair d'éléments la médiane sera alors la moyenne des deux valeurs les plus centrales</a:t>
             </a:r>
           </a:p>
           <a:p>
             <a:pPr lvl="1"/>
             <a:r>
-              <a:rPr lang="fr-FR" sz="2000" dirty="0" smtClean="0"/>
-              <a:t>Pour </a:t>
-            </a:r>
-            <a:r>
               <a:rPr lang="fr-FR" sz="2000" dirty="0"/>
-              <a:t>la distribution 1,2,3,4,5,6 la médiane sera la valeur comprise entre 3 et 4 donc 3.5</a:t>
-            </a:r>
-            <a:r>
-              <a:rPr lang="fr-FR" sz="2000" dirty="0" smtClean="0"/>
-              <a:t>.</a:t>
-            </a:r>
-            <a:endParaRPr lang="fr-FR" sz="2000" dirty="0"/>
+              <a:t>Pour la distribution 1,2,3,4,5,6 la médiane sera la valeur comprise entre 3 et 4 donc 3.5.</a:t>
+            </a:r>
           </a:p>
         </p:txBody>
       </p:sp>
@@ -3924,13 +3856,6 @@
   <p:clrMapOvr>
     <a:masterClrMapping/>
   </p:clrMapOvr>
-  <p:timing>
-    <p:tnLst>
-      <p:par>
-        <p:cTn id="1" dur="indefinite" restart="never" nodeType="tmRoot"/>
-      </p:par>
-    </p:tnLst>
-  </p:timing>
 </p:sld>
 </file>
 
@@ -3967,10 +3892,9 @@
           <a:lstStyle/>
           <a:p>
             <a:r>
-              <a:rPr lang="fr-FR" dirty="0" smtClean="0"/>
+              <a:rPr lang="fr-FR" dirty="0"/>
               <a:t>Médiane</a:t>
             </a:r>
-            <a:endParaRPr lang="fr-FR" dirty="0"/>
           </a:p>
         </p:txBody>
       </p:sp>
@@ -3990,33 +3914,16 @@
           <a:lstStyle/>
           <a:p>
             <a:r>
-              <a:rPr lang="fr-FR" dirty="0" smtClean="0"/>
-              <a:t>La </a:t>
-            </a:r>
-            <a:r>
-              <a:rPr lang="fr-FR" dirty="0"/>
-              <a:t>médiane et la moyenne renvoient généralement des valeurs similaires si la distribution suit une loi </a:t>
-            </a:r>
-            <a:r>
-              <a:rPr lang="fr-FR" dirty="0" smtClean="0"/>
-              <a:t>normale</a:t>
+              <a:rPr lang="fr-FR" dirty="0"/>
+              <a:t>La médiane et la moyenne renvoient généralement des valeurs similaires si la distribution suit une loi normale</a:t>
             </a:r>
           </a:p>
           <a:p>
             <a:pPr lvl="1"/>
             <a:r>
-              <a:rPr lang="fr-FR" dirty="0" smtClean="0"/>
-              <a:t>Cependant </a:t>
-            </a:r>
-            <a:r>
-              <a:rPr lang="fr-FR" dirty="0"/>
-              <a:t>la médiane est moins affectée par les valeurs extrêmes. Par exemple les séries 1,2,3,4,5 et 1,2,3,4,100 ont la même médiane mais des moyennes </a:t>
-            </a:r>
-            <a:r>
-              <a:rPr lang="fr-FR" dirty="0" smtClean="0"/>
-              <a:t>différentes</a:t>
-            </a:r>
-            <a:endParaRPr lang="fr-FR" dirty="0"/>
+              <a:rPr lang="fr-FR" dirty="0"/>
+              <a:t>Cependant la médiane est moins affectée par les valeurs extrêmes. Par exemple les séries 1,2,3,4,5 et 1,2,3,4,100 ont la même médiane mais des moyennes différentes</a:t>
+            </a:r>
           </a:p>
         </p:txBody>
       </p:sp>
@@ -4054,13 +3961,6 @@
   <p:clrMapOvr>
     <a:masterClrMapping/>
   </p:clrMapOvr>
-  <p:timing>
-    <p:tnLst>
-      <p:par>
-        <p:cTn id="1" dur="indefinite" restart="never" nodeType="tmRoot"/>
-      </p:par>
-    </p:tnLst>
-  </p:timing>
 </p:sld>
 </file>
 
@@ -4097,10 +3997,9 @@
           <a:lstStyle/>
           <a:p>
             <a:r>
-              <a:rPr lang="fr-FR" dirty="0" smtClean="0"/>
+              <a:rPr lang="fr-FR" dirty="0"/>
               <a:t>Les quantiles</a:t>
             </a:r>
-            <a:endParaRPr lang="fr-FR" dirty="0"/>
           </a:p>
         </p:txBody>
       </p:sp>
@@ -4120,48 +4019,23 @@
           <a:lstStyle/>
           <a:p>
             <a:r>
-              <a:rPr lang="fr-FR" dirty="0" smtClean="0"/>
-              <a:t>Les </a:t>
-            </a:r>
-            <a:r>
-              <a:rPr lang="fr-FR" dirty="0"/>
-              <a:t>quantiles sont les valeurs permettant de séparer une distribution ordonnée de valeurs en q </a:t>
-            </a:r>
-            <a:r>
-              <a:rPr lang="fr-FR" dirty="0" smtClean="0"/>
-              <a:t>sous-distributions</a:t>
+              <a:rPr lang="fr-FR" dirty="0"/>
+              <a:t>Les quantiles sont les valeurs permettant de séparer une distribution ordonnée de valeurs en q sous-distributions</a:t>
             </a:r>
           </a:p>
           <a:p>
             <a:pPr lvl="1"/>
             <a:r>
-              <a:rPr lang="fr-FR" dirty="0" smtClean="0"/>
-              <a:t>On </a:t>
-            </a:r>
-            <a:r>
-              <a:rPr lang="fr-FR" dirty="0"/>
-              <a:t>parle alors de </a:t>
-            </a:r>
-            <a:r>
-              <a:rPr lang="fr-FR" dirty="0" smtClean="0"/>
-              <a:t>q-quantile</a:t>
+              <a:rPr lang="fr-FR" dirty="0"/>
+              <a:t>On parle alors de q-quantile</a:t>
             </a:r>
           </a:p>
           <a:p>
             <a:pPr lvl="1"/>
             <a:r>
-              <a:rPr lang="fr-FR" dirty="0" smtClean="0"/>
-              <a:t>Le </a:t>
-            </a:r>
-            <a:r>
-              <a:rPr lang="fr-FR" dirty="0"/>
-              <a:t>nombre q peut varier selon vos besoins mais il est par exemple fréquent de se référer aux 4-quantiles aussi appelés </a:t>
-            </a:r>
-            <a:r>
-              <a:rPr lang="fr-FR" dirty="0" smtClean="0"/>
-              <a:t>quartiles</a:t>
-            </a:r>
-            <a:endParaRPr lang="fr-FR" dirty="0"/>
+              <a:rPr lang="fr-FR" dirty="0"/>
+              <a:t>Le nombre q peut varier selon vos besoins mais il est par exemple fréquent de se référer aux 4-quantiles aussi appelés quartiles</a:t>
+            </a:r>
           </a:p>
           <a:p>
             <a:r>
@@ -4174,15 +4048,7 @@
             </a:r>
             <a:r>
               <a:rPr lang="fr-FR" dirty="0"/>
-              <a:t> </a:t>
-            </a:r>
-            <a:r>
-              <a:rPr lang="fr-FR" dirty="0" smtClean="0"/>
-              <a:t>à quantile() qui</a:t>
-            </a:r>
-            <a:r>
-              <a:rPr lang="fr-FR" dirty="0"/>
-              <a:t>, par défaut, définit les 4-quantiles (quartiles).</a:t>
+              <a:t> à quantile() qui, par défaut, définit les 4-quantiles (quartiles).</a:t>
             </a:r>
           </a:p>
         </p:txBody>
@@ -4221,13 +4087,6 @@
   <p:clrMapOvr>
     <a:masterClrMapping/>
   </p:clrMapOvr>
-  <p:timing>
-    <p:tnLst>
-      <p:par>
-        <p:cTn id="1" dur="indefinite" restart="never" nodeType="tmRoot"/>
-      </p:par>
-    </p:tnLst>
-  </p:timing>
 </p:sld>
 </file>
 
@@ -4264,10 +4123,9 @@
           <a:lstStyle/>
           <a:p>
             <a:r>
-              <a:rPr lang="fr-FR" dirty="0" smtClean="0"/>
+              <a:rPr lang="fr-FR" dirty="0"/>
               <a:t>Les quantiles</a:t>
             </a:r>
-            <a:endParaRPr lang="fr-FR" dirty="0"/>
           </a:p>
         </p:txBody>
       </p:sp>
@@ -4287,53 +4145,33 @@
           <a:lstStyle/>
           <a:p>
             <a:r>
-              <a:rPr lang="fr-FR" dirty="0" smtClean="0"/>
-              <a:t>quantile() permet </a:t>
-            </a:r>
-            <a:r>
-              <a:rPr lang="fr-FR" dirty="0"/>
-              <a:t>de calculer non seulement les quartiles mais aussi tout q-quantile que l'on </a:t>
-            </a:r>
-            <a:r>
-              <a:rPr lang="fr-FR" dirty="0" smtClean="0"/>
-              <a:t>souhaite</a:t>
+              <a:rPr lang="fr-FR" dirty="0"/>
+              <a:t>quantile() permet de calculer non seulement les quartiles mais aussi tout q-quantile que l'on souhaite</a:t>
             </a:r>
           </a:p>
           <a:p>
             <a:pPr lvl="1"/>
             <a:r>
-              <a:rPr lang="fr-FR" dirty="0" smtClean="0"/>
-              <a:t>Il </a:t>
-            </a:r>
-            <a:r>
-              <a:rPr lang="fr-FR" dirty="0"/>
-              <a:t>faut pour cela spécifier les valeurs adéquates à l'argument </a:t>
-            </a:r>
-            <a:r>
-              <a:rPr lang="fr-FR" dirty="0" err="1" smtClean="0"/>
+              <a:rPr lang="fr-FR" dirty="0"/>
+              <a:t>Il faut pour cela spécifier les valeurs adéquates à l'argument </a:t>
+            </a:r>
+            <a:r>
+              <a:rPr lang="fr-FR" dirty="0" err="1"/>
               <a:t>probs</a:t>
             </a:r>
-            <a:endParaRPr lang="fr-FR" dirty="0" smtClean="0"/>
+            <a:endParaRPr lang="fr-FR" dirty="0"/>
           </a:p>
           <a:p>
             <a:pPr lvl="1"/>
             <a:r>
-              <a:rPr lang="fr-FR" dirty="0" smtClean="0"/>
-              <a:t>Cet </a:t>
-            </a:r>
-            <a:r>
-              <a:rPr lang="fr-FR" dirty="0"/>
-              <a:t>argument est défini par un vecteur contenant une série de valeurs numériques comprises entre 0 et </a:t>
-            </a:r>
-            <a:r>
-              <a:rPr lang="fr-FR" dirty="0" smtClean="0"/>
-              <a:t>1</a:t>
+              <a:rPr lang="fr-FR" dirty="0"/>
+              <a:t>Cet argument est défini par un vecteur contenant une série de valeurs numériques comprises entre 0 et 1</a:t>
             </a:r>
           </a:p>
           <a:p>
             <a:pPr lvl="1"/>
             <a:r>
-              <a:rPr lang="fr-FR" dirty="0" smtClean="0"/>
+              <a:rPr lang="fr-FR" dirty="0"/>
               <a:t>Par exemple pour les déciles</a:t>
             </a:r>
           </a:p>
@@ -4343,16 +4181,16 @@
           </a:p>
           <a:p>
             <a:pPr lvl="1"/>
-            <a:endParaRPr lang="fr-FR" dirty="0" smtClean="0"/>
+            <a:endParaRPr lang="fr-FR" dirty="0"/>
           </a:p>
           <a:p>
             <a:pPr lvl="1"/>
             <a:r>
-              <a:rPr lang="fr-FR" dirty="0" err="1" smtClean="0"/>
+              <a:rPr lang="fr-FR" dirty="0" err="1"/>
               <a:t>probs</a:t>
             </a:r>
             <a:r>
-              <a:rPr lang="fr-FR" dirty="0" smtClean="0"/>
+              <a:rPr lang="fr-FR" dirty="0"/>
               <a:t> possède un vecteur entre 0 et 1 incrémenté de 0.1</a:t>
             </a:r>
           </a:p>
@@ -4392,13 +4230,6 @@
   <p:clrMapOvr>
     <a:masterClrMapping/>
   </p:clrMapOvr>
-  <p:timing>
-    <p:tnLst>
-      <p:par>
-        <p:cTn id="1" dur="indefinite" restart="never" nodeType="tmRoot"/>
-      </p:par>
-    </p:tnLst>
-  </p:timing>
 </p:sld>
 </file>
 
@@ -4435,7 +4266,7 @@
           <a:lstStyle/>
           <a:p>
             <a:r>
-              <a:rPr lang="fr-FR" dirty="0" err="1" smtClean="0"/>
+              <a:rPr lang="fr-FR" dirty="0" err="1"/>
               <a:t>summary</a:t>
             </a:r>
             <a:endParaRPr lang="fr-FR" dirty="0"/>
@@ -4458,48 +4289,47 @@
           <a:lstStyle/>
           <a:p>
             <a:r>
-              <a:rPr lang="fr-FR" dirty="0" err="1" smtClean="0"/>
+              <a:rPr lang="fr-FR" dirty="0" err="1"/>
               <a:t>Summary</a:t>
             </a:r>
             <a:r>
-              <a:rPr lang="fr-FR" dirty="0" smtClean="0"/>
+              <a:rPr lang="fr-FR" dirty="0"/>
               <a:t> </a:t>
             </a:r>
             <a:r>
-              <a:rPr lang="fr-FR" dirty="0" err="1" smtClean="0"/>
+              <a:rPr lang="fr-FR" dirty="0" err="1"/>
               <a:t>effecture</a:t>
             </a:r>
             <a:r>
-              <a:rPr lang="fr-FR" dirty="0" smtClean="0"/>
+              <a:rPr lang="fr-FR" dirty="0"/>
               <a:t> le min, max, </a:t>
             </a:r>
             <a:r>
-              <a:rPr lang="fr-FR" dirty="0" err="1" smtClean="0"/>
+              <a:rPr lang="fr-FR" dirty="0" err="1"/>
               <a:t>mean</a:t>
             </a:r>
             <a:r>
-              <a:rPr lang="fr-FR" dirty="0" smtClean="0"/>
+              <a:rPr lang="fr-FR" dirty="0"/>
               <a:t>, </a:t>
             </a:r>
             <a:r>
-              <a:rPr lang="fr-FR" dirty="0" err="1" smtClean="0"/>
+              <a:rPr lang="fr-FR" dirty="0" err="1"/>
               <a:t>median</a:t>
             </a:r>
             <a:r>
-              <a:rPr lang="fr-FR" dirty="0" smtClean="0"/>
+              <a:rPr lang="fr-FR" dirty="0"/>
               <a:t> et quantile en une fois</a:t>
             </a:r>
           </a:p>
           <a:p>
             <a:r>
-              <a:rPr lang="fr-FR" dirty="0" err="1" smtClean="0"/>
+              <a:rPr lang="fr-FR" dirty="0" err="1"/>
               <a:t>summary</a:t>
             </a:r>
             <a:r>
-              <a:rPr lang="fr-FR" dirty="0" smtClean="0"/>
+              <a:rPr lang="fr-FR" dirty="0"/>
               <a:t>(poids) </a:t>
             </a:r>
-            <a:endParaRPr lang="fr-FR" dirty="0"/>
           </a:p>
         </p:txBody>
       </p:sp>
@@ -4513,13 +4343,6 @@
   <p:clrMapOvr>
     <a:masterClrMapping/>
   </p:clrMapOvr>
-  <p:timing>
-    <p:tnLst>
-      <p:par>
-        <p:cTn id="1" dur="indefinite" restart="never" nodeType="tmRoot"/>
-      </p:par>
-    </p:tnLst>
-  </p:timing>
 </p:sld>
 </file>
 
@@ -4556,10 +4379,9 @@
           <a:lstStyle/>
           <a:p>
             <a:r>
-              <a:rPr lang="fr-FR" dirty="0" smtClean="0"/>
+              <a:rPr lang="fr-FR" dirty="0"/>
               <a:t>Modélisation</a:t>
             </a:r>
-            <a:endParaRPr lang="fr-FR" dirty="0"/>
           </a:p>
         </p:txBody>
       </p:sp>
@@ -4583,35 +4405,23 @@
               <a:t>Imaginez que vous êtes un data </a:t>
             </a:r>
             <a:r>
-              <a:rPr lang="fr-FR" dirty="0" err="1" smtClean="0"/>
+              <a:rPr lang="fr-FR" dirty="0" err="1"/>
               <a:t>scientist</a:t>
             </a:r>
-            <a:endParaRPr lang="fr-FR" dirty="0" smtClean="0"/>
+            <a:endParaRPr lang="fr-FR" dirty="0"/>
           </a:p>
           <a:p>
             <a:pPr lvl="1"/>
             <a:r>
-              <a:rPr lang="fr-FR" dirty="0" smtClean="0"/>
-              <a:t>Vous </a:t>
-            </a:r>
-            <a:r>
-              <a:rPr lang="fr-FR" dirty="0"/>
-              <a:t>êtes maintenant confortable avec l'ensemble des données récupérées pour vos </a:t>
-            </a:r>
-            <a:r>
-              <a:rPr lang="fr-FR" dirty="0" smtClean="0"/>
-              <a:t>analyses</a:t>
+              <a:rPr lang="fr-FR" dirty="0"/>
+              <a:t>Vous êtes maintenant confortable avec l'ensemble des données récupérées pour vos analyses</a:t>
             </a:r>
           </a:p>
           <a:p>
             <a:pPr lvl="1"/>
             <a:r>
-              <a:rPr lang="fr-FR" dirty="0" smtClean="0"/>
-              <a:t>Vous </a:t>
-            </a:r>
-            <a:r>
-              <a:rPr lang="fr-FR" dirty="0"/>
-              <a:t>avez une connaissance des objectifs principaux de l'entreprise, ce qui vous a aidé à synthétiser les différentes variables qui interviennent, ainsi que visualiser les différents comportements et corrélations présents au sein de ces données</a:t>
+              <a:rPr lang="fr-FR" dirty="0"/>
+              <a:t>Vous avez une connaissance des objectifs principaux de l'entreprise, ce qui vous a aidé à synthétiser les différentes variables qui interviennent, ainsi que visualiser les différents comportements et corrélations présents au sein de ces données</a:t>
             </a:r>
           </a:p>
         </p:txBody>
@@ -4626,13 +4436,6 @@
   <p:clrMapOvr>
     <a:masterClrMapping/>
   </p:clrMapOvr>
-  <p:timing>
-    <p:tnLst>
-      <p:par>
-        <p:cTn id="1" dur="indefinite" restart="never" nodeType="tmRoot"/>
-      </p:par>
-    </p:tnLst>
-  </p:timing>
 </p:sld>
 </file>
 
@@ -4669,10 +4472,9 @@
           <a:lstStyle/>
           <a:p>
             <a:r>
-              <a:rPr lang="fr-FR" dirty="0" smtClean="0"/>
+              <a:rPr lang="fr-FR" dirty="0"/>
               <a:t>Opérations ensembliste</a:t>
             </a:r>
-            <a:endParaRPr lang="fr-FR" dirty="0"/>
           </a:p>
         </p:txBody>
       </p:sp>
@@ -4692,21 +4494,20 @@
           <a:lstStyle/>
           <a:p>
             <a:r>
-              <a:rPr lang="fr-FR" dirty="0" smtClean="0"/>
+              <a:rPr lang="fr-FR" dirty="0"/>
               <a:t>R possède de nombreuses fonction ensembliste</a:t>
             </a:r>
           </a:p>
           <a:p>
             <a:r>
-              <a:rPr lang="fr-FR" dirty="0" smtClean="0"/>
+              <a:rPr lang="fr-FR" dirty="0"/>
               <a:t>Union</a:t>
             </a:r>
-            <a:endParaRPr lang="fr-FR" dirty="0" smtClean="0"/>
           </a:p>
           <a:p>
             <a:pPr lvl="1"/>
             <a:r>
-              <a:rPr lang="fr-FR" dirty="0" smtClean="0"/>
+              <a:rPr lang="fr-FR" dirty="0"/>
               <a:t>Union de n ensembles</a:t>
             </a:r>
           </a:p>
@@ -4745,21 +4546,21 @@
               <a:t>performanceG</a:t>
             </a:r>
             <a:r>
-              <a:rPr lang="fr-FR" dirty="0" smtClean="0"/>
+              <a:rPr lang="fr-FR" dirty="0"/>
               <a:t>)) donne l'union des noms (indexes ou clés) des 2 vecteurs</a:t>
             </a:r>
           </a:p>
           <a:p>
             <a:r>
-              <a:rPr lang="fr-FR" dirty="0" err="1" smtClean="0"/>
+              <a:rPr lang="fr-FR" dirty="0" err="1"/>
               <a:t>Intersect</a:t>
             </a:r>
-            <a:endParaRPr lang="fr-FR" dirty="0" smtClean="0"/>
+            <a:endParaRPr lang="fr-FR" dirty="0"/>
           </a:p>
           <a:p>
             <a:pPr lvl="1"/>
             <a:r>
-              <a:rPr lang="fr-FR" dirty="0" smtClean="0"/>
+              <a:rPr lang="fr-FR" dirty="0"/>
               <a:t>Intersection de n ensembles</a:t>
             </a:r>
           </a:p>
@@ -4802,24 +4603,23 @@
               <a:t>performanceG</a:t>
             </a:r>
             <a:r>
-              <a:rPr lang="fr-FR" dirty="0" smtClean="0"/>
+              <a:rPr lang="fr-FR" dirty="0"/>
               <a:t>))</a:t>
             </a:r>
           </a:p>
           <a:p>
             <a:r>
-              <a:rPr lang="fr-FR" dirty="0" err="1" smtClean="0"/>
+              <a:rPr lang="fr-FR" dirty="0" err="1"/>
               <a:t>Setdiff</a:t>
             </a:r>
-            <a:endParaRPr lang="fr-FR" dirty="0" smtClean="0"/>
+            <a:endParaRPr lang="fr-FR" dirty="0"/>
           </a:p>
           <a:p>
             <a:pPr lvl="1"/>
             <a:r>
-              <a:rPr lang="fr-FR" dirty="0" smtClean="0"/>
+              <a:rPr lang="fr-FR" dirty="0"/>
               <a:t>Soustraction de 2 ensembles</a:t>
             </a:r>
-            <a:endParaRPr lang="fr-FR" dirty="0"/>
           </a:p>
         </p:txBody>
       </p:sp>
@@ -4833,13 +4633,6 @@
   <p:clrMapOvr>
     <a:masterClrMapping/>
   </p:clrMapOvr>
-  <p:timing>
-    <p:tnLst>
-      <p:par>
-        <p:cTn id="1" dur="indefinite" restart="never" nodeType="tmRoot"/>
-      </p:par>
-    </p:tnLst>
-  </p:timing>
 </p:sld>
 </file>
 
@@ -4876,10 +4669,9 @@
           <a:lstStyle/>
           <a:p>
             <a:r>
-              <a:rPr lang="fr-FR" dirty="0" smtClean="0"/>
+              <a:rPr lang="fr-FR" dirty="0"/>
               <a:t>%in%</a:t>
             </a:r>
-            <a:endParaRPr lang="fr-FR" dirty="0"/>
           </a:p>
         </p:txBody>
       </p:sp>
@@ -4899,7 +4691,7 @@
           <a:lstStyle/>
           <a:p>
             <a:r>
-              <a:rPr lang="fr-FR" dirty="0" smtClean="0"/>
+              <a:rPr lang="fr-FR" dirty="0"/>
               <a:t>Vérifie qu'un sous vecteur appartient à un vecteur élément par élément</a:t>
             </a:r>
           </a:p>
@@ -4907,14 +4699,14 @@
             <a:endParaRPr lang="fr-FR" dirty="0"/>
           </a:p>
           <a:p>
-            <a:endParaRPr lang="fr-FR" dirty="0" smtClean="0"/>
-          </a:p>
-          <a:p>
             <a:endParaRPr lang="fr-FR" dirty="0"/>
           </a:p>
           <a:p>
-            <a:r>
-              <a:rPr lang="fr-FR" dirty="0" smtClean="0"/>
+            <a:endParaRPr lang="fr-FR" dirty="0"/>
+          </a:p>
+          <a:p>
+            <a:r>
+              <a:rPr lang="fr-FR" dirty="0"/>
               <a:t>Filtrage</a:t>
             </a:r>
           </a:p>
@@ -4981,13 +4773,6 @@
   <p:clrMapOvr>
     <a:masterClrMapping/>
   </p:clrMapOvr>
-  <p:timing>
-    <p:tnLst>
-      <p:par>
-        <p:cTn id="1" dur="indefinite" restart="never" nodeType="tmRoot"/>
-      </p:par>
-    </p:tnLst>
-  </p:timing>
 </p:sld>
 </file>
 
@@ -5024,10 +4809,9 @@
           <a:lstStyle/>
           <a:p>
             <a:r>
-              <a:rPr lang="fr-FR" dirty="0" smtClean="0"/>
+              <a:rPr lang="fr-FR" dirty="0"/>
               <a:t>Réciprocité des données</a:t>
             </a:r>
-            <a:endParaRPr lang="fr-FR" dirty="0"/>
           </a:p>
         </p:txBody>
       </p:sp>
@@ -5047,19 +4831,19 @@
           <a:lstStyle/>
           <a:p>
             <a:r>
-              <a:rPr lang="fr-FR" dirty="0" smtClean="0"/>
-              <a:t>Il est important que tous les vecteurs soit indexés de la même manière et est le même nombre d'élément</a:t>
+              <a:rPr lang="fr-FR" dirty="0"/>
+              <a:t>Il est important que tous les vecteurs soient indexés de la même manière avec le même nombre d'élément</a:t>
             </a:r>
           </a:p>
           <a:p>
             <a:endParaRPr lang="fr-FR" dirty="0"/>
           </a:p>
           <a:p>
-            <a:endParaRPr lang="fr-FR" dirty="0" smtClean="0"/>
-          </a:p>
-          <a:p>
-            <a:r>
-              <a:rPr lang="fr-FR" dirty="0" smtClean="0"/>
+            <a:endParaRPr lang="fr-FR" dirty="0"/>
+          </a:p>
+          <a:p>
+            <a:r>
+              <a:rPr lang="fr-FR" dirty="0"/>
               <a:t>Duplication des vecteurs réciproques</a:t>
             </a:r>
           </a:p>
@@ -5067,7 +4851,7 @@
             <a:endParaRPr lang="fr-FR" dirty="0"/>
           </a:p>
           <a:p>
-            <a:endParaRPr lang="fr-FR" dirty="0" smtClean="0"/>
+            <a:endParaRPr lang="fr-FR" dirty="0"/>
           </a:p>
           <a:p>
             <a:endParaRPr lang="fr-FR" dirty="0"/>
@@ -5132,13 +4916,6 @@
   <p:clrMapOvr>
     <a:masterClrMapping/>
   </p:clrMapOvr>
-  <p:timing>
-    <p:tnLst>
-      <p:par>
-        <p:cTn id="1" dur="indefinite" restart="never" nodeType="tmRoot"/>
-      </p:par>
-    </p:tnLst>
-  </p:timing>
 </p:sld>
 </file>
 
@@ -5175,10 +4952,9 @@
           <a:lstStyle/>
           <a:p>
             <a:r>
-              <a:rPr lang="fr-FR" dirty="0" smtClean="0"/>
+              <a:rPr lang="fr-FR" dirty="0"/>
               <a:t>Tri des données réciproques</a:t>
             </a:r>
-            <a:endParaRPr lang="fr-FR" dirty="0"/>
           </a:p>
         </p:txBody>
       </p:sp>
@@ -5199,85 +4975,45 @@
           <a:p>
             <a:r>
               <a:rPr lang="fr-FR" dirty="0"/>
-              <a:t>Le même problème revient lorsque l'on doit trier un des deux </a:t>
-            </a:r>
-            <a:r>
-              <a:rPr lang="fr-FR" dirty="0" smtClean="0"/>
-              <a:t>vecteurs</a:t>
-            </a:r>
-          </a:p>
-          <a:p>
-            <a:r>
-              <a:rPr lang="fr-FR" dirty="0" smtClean="0"/>
-              <a:t>En </a:t>
-            </a:r>
-            <a:r>
-              <a:rPr lang="fr-FR" dirty="0"/>
-              <a:t>en triant un, son ordre sera modifié et la </a:t>
-            </a:r>
-            <a:r>
-              <a:rPr lang="fr-FR" dirty="0" smtClean="0"/>
-              <a:t>réciprocité </a:t>
-            </a:r>
-            <a:r>
-              <a:rPr lang="fr-FR" dirty="0"/>
-              <a:t>avec le second vecteur sera </a:t>
-            </a:r>
-            <a:r>
-              <a:rPr lang="fr-FR" dirty="0" smtClean="0"/>
-              <a:t>perdue</a:t>
-            </a:r>
-          </a:p>
-          <a:p>
-            <a:r>
-              <a:rPr lang="fr-FR" dirty="0" smtClean="0"/>
-              <a:t>Il </a:t>
-            </a:r>
-            <a:r>
-              <a:rPr lang="fr-FR" dirty="0"/>
-              <a:t>faut alors </a:t>
+              <a:t>Le même problème revient lorsque l'on doit trier un des deux vecteurs</a:t>
+            </a:r>
+          </a:p>
+          <a:p>
+            <a:r>
+              <a:rPr lang="fr-FR" dirty="0"/>
+              <a:t>En en triant un, son ordre sera modifié et la réciprocité avec le second vecteur sera perdue</a:t>
+            </a:r>
+          </a:p>
+          <a:p>
+            <a:r>
+              <a:rPr lang="fr-FR" dirty="0"/>
+              <a:t>Il faut alors </a:t>
             </a:r>
             <a:r>
               <a:rPr lang="fr-FR"/>
-              <a:t>préférer </a:t>
-            </a:r>
-            <a:r>
-              <a:rPr lang="fr-FR" smtClean="0"/>
+              <a:t>préférer order</a:t>
+            </a:r>
+            <a:r>
+              <a:rPr lang="fr-FR" dirty="0"/>
+              <a:t>() à sort()</a:t>
+            </a:r>
+          </a:p>
+          <a:p>
+            <a:pPr lvl="1"/>
+            <a:r>
+              <a:rPr lang="fr-FR" dirty="0" err="1"/>
               <a:t>order</a:t>
             </a:r>
             <a:r>
-              <a:rPr lang="fr-FR" dirty="0" smtClean="0"/>
-              <a:t>() à sort()</a:t>
+              <a:rPr lang="fr-FR" dirty="0"/>
+              <a:t>() renverra effectivement, non pas les valeurs triées des éléments du vecteur, mais leurs index</a:t>
             </a:r>
           </a:p>
           <a:p>
             <a:pPr lvl="1"/>
             <a:r>
-              <a:rPr lang="fr-FR" dirty="0" err="1" smtClean="0"/>
-              <a:t>order</a:t>
-            </a:r>
-            <a:r>
-              <a:rPr lang="fr-FR" dirty="0" smtClean="0"/>
-              <a:t>() renverra </a:t>
-            </a:r>
-            <a:r>
-              <a:rPr lang="fr-FR" dirty="0"/>
-              <a:t>effectivement, non pas les valeurs triées des éléments du vecteur, mais leurs </a:t>
-            </a:r>
-            <a:r>
-              <a:rPr lang="fr-FR" dirty="0" smtClean="0"/>
-              <a:t>index</a:t>
-            </a:r>
-          </a:p>
-          <a:p>
-            <a:pPr lvl="1"/>
-            <a:r>
-              <a:rPr lang="fr-FR" dirty="0" smtClean="0"/>
-              <a:t>Cette </a:t>
-            </a:r>
-            <a:r>
-              <a:rPr lang="fr-FR" dirty="0"/>
-              <a:t>fonction génèrera alors un vecteur contenant des index qui pourra être utilisé pour trier les deux vecteurs.</a:t>
+              <a:rPr lang="fr-FR" dirty="0"/>
+              <a:t>Cette fonction génèrera alors un vecteur contenant des index qui pourra être utilisé pour trier les deux vecteurs.</a:t>
             </a:r>
           </a:p>
         </p:txBody>
@@ -5316,13 +5052,6 @@
   <p:clrMapOvr>
     <a:masterClrMapping/>
   </p:clrMapOvr>
-  <p:timing>
-    <p:tnLst>
-      <p:par>
-        <p:cTn id="1" dur="indefinite" restart="never" nodeType="tmRoot"/>
-      </p:par>
-    </p:tnLst>
-  </p:timing>
 </p:sld>
 </file>
 
@@ -5359,10 +5088,9 @@
           <a:lstStyle/>
           <a:p>
             <a:r>
-              <a:rPr lang="fr-FR" dirty="0" smtClean="0"/>
+              <a:rPr lang="fr-FR" dirty="0"/>
               <a:t>Distribution d'un vecteur</a:t>
             </a:r>
-            <a:endParaRPr lang="fr-FR" dirty="0"/>
           </a:p>
         </p:txBody>
       </p:sp>
@@ -5382,48 +5110,20 @@
           <a:lstStyle/>
           <a:p>
             <a:r>
-              <a:rPr lang="fr-FR" dirty="0" smtClean="0"/>
-              <a:t>Il </a:t>
-            </a:r>
-            <a:r>
-              <a:rPr lang="fr-FR" dirty="0"/>
-              <a:t>est maintenant l'heure de faire enfin des </a:t>
-            </a:r>
-            <a:r>
-              <a:rPr lang="fr-FR" dirty="0" smtClean="0"/>
-              <a:t>statistiques!</a:t>
-            </a:r>
-          </a:p>
-          <a:p>
-            <a:r>
-              <a:rPr lang="fr-FR" dirty="0" smtClean="0"/>
-              <a:t>Nous </a:t>
-            </a:r>
-            <a:r>
-              <a:rPr lang="fr-FR" dirty="0"/>
-              <a:t>travaillons </a:t>
-            </a:r>
-            <a:r>
-              <a:rPr lang="fr-FR" dirty="0" smtClean="0"/>
-              <a:t>sur </a:t>
-            </a:r>
-            <a:r>
-              <a:rPr lang="fr-FR" dirty="0"/>
-              <a:t>un vecteur contenant des valeurs numériques correspondant au poids de différents </a:t>
-            </a:r>
-            <a:r>
-              <a:rPr lang="fr-FR" dirty="0" smtClean="0"/>
-              <a:t>individus</a:t>
-            </a:r>
-          </a:p>
-          <a:p>
-            <a:r>
-              <a:rPr lang="fr-FR" dirty="0" smtClean="0"/>
-              <a:t>Cette </a:t>
-            </a:r>
-            <a:r>
-              <a:rPr lang="fr-FR" dirty="0"/>
-              <a:t>ensemble de valeurs forme ce que l'on appelle une distribution.</a:t>
+              <a:rPr lang="fr-FR" dirty="0"/>
+              <a:t>Il est maintenant l'heure de faire enfin des statistiques!</a:t>
+            </a:r>
+          </a:p>
+          <a:p>
+            <a:r>
+              <a:rPr lang="fr-FR" dirty="0"/>
+              <a:t>Nous travaillons sur un vecteur contenant des valeurs numériques correspondant au poids de différents individus</a:t>
+            </a:r>
+          </a:p>
+          <a:p>
+            <a:r>
+              <a:rPr lang="fr-FR" dirty="0"/>
+              <a:t>Cette ensemble de valeurs forme ce que l'on appelle une distribution.</a:t>
             </a:r>
           </a:p>
           <a:p>
@@ -5444,13 +5144,6 @@
   <p:clrMapOvr>
     <a:masterClrMapping/>
   </p:clrMapOvr>
-  <p:timing>
-    <p:tnLst>
-      <p:par>
-        <p:cTn id="1" dur="indefinite" restart="never" nodeType="tmRoot"/>
-      </p:par>
-    </p:tnLst>
-  </p:timing>
 </p:sld>
 </file>
 
@@ -5487,10 +5180,9 @@
           <a:lstStyle/>
           <a:p>
             <a:r>
-              <a:rPr lang="fr-FR" dirty="0" smtClean="0"/>
+              <a:rPr lang="fr-FR" dirty="0"/>
               <a:t>Moyenne</a:t>
             </a:r>
-            <a:endParaRPr lang="fr-FR" dirty="0"/>
           </a:p>
         </p:txBody>
       </p:sp>
@@ -5516,37 +5208,21 @@
           </a:p>
           <a:p>
             <a:r>
-              <a:rPr lang="fr-FR" dirty="0" smtClean="0"/>
-              <a:t>La </a:t>
-            </a:r>
-            <a:r>
-              <a:rPr lang="fr-FR" dirty="0"/>
-              <a:t>moyenne arithmétique d'une distribution équivaut à la somme des éléments d'une distribution divisée par ce même nombre </a:t>
-            </a:r>
-            <a:r>
-              <a:rPr lang="fr-FR" dirty="0" smtClean="0"/>
-              <a:t>d'éléments</a:t>
-            </a:r>
-          </a:p>
-          <a:p>
-            <a:r>
-              <a:rPr lang="fr-FR" dirty="0" smtClean="0"/>
-              <a:t>Sous </a:t>
-            </a:r>
-            <a:r>
-              <a:rPr lang="fr-FR" dirty="0"/>
-              <a:t>R, la moyenne se calcule à l'aide de la </a:t>
-            </a:r>
-            <a:r>
-              <a:rPr lang="fr-FR" dirty="0" smtClean="0"/>
-              <a:t>fonction </a:t>
-            </a:r>
-            <a:r>
-              <a:rPr lang="fr-FR" dirty="0" err="1" smtClean="0"/>
+              <a:rPr lang="fr-FR" dirty="0"/>
+              <a:t>La moyenne arithmétique d'une distribution équivaut à la somme des éléments d'une distribution divisée par ce même nombre d'éléments</a:t>
+            </a:r>
+          </a:p>
+          <a:p>
+            <a:r>
+              <a:rPr lang="fr-FR" dirty="0"/>
+              <a:t>Sous R, la moyenne se calcule à l'aide de la fonction </a:t>
+            </a:r>
+            <a:r>
+              <a:rPr lang="fr-FR" dirty="0" err="1"/>
               <a:t>mean</a:t>
             </a:r>
             <a:r>
-              <a:rPr lang="fr-FR" dirty="0" smtClean="0"/>
+              <a:rPr lang="fr-FR" dirty="0"/>
               <a:t>()</a:t>
             </a:r>
           </a:p>
@@ -5613,13 +5289,6 @@
   <p:clrMapOvr>
     <a:masterClrMapping/>
   </p:clrMapOvr>
-  <p:timing>
-    <p:tnLst>
-      <p:par>
-        <p:cTn id="1" dur="indefinite" restart="never" nodeType="tmRoot"/>
-      </p:par>
-    </p:tnLst>
-  </p:timing>
 </p:sld>
 </file>
 
@@ -5656,10 +5325,9 @@
           <a:lstStyle/>
           <a:p>
             <a:r>
-              <a:rPr lang="fr-FR" dirty="0" smtClean="0"/>
+              <a:rPr lang="fr-FR" dirty="0"/>
               <a:t>Loi normale</a:t>
             </a:r>
-            <a:endParaRPr lang="fr-FR" dirty="0"/>
           </a:p>
         </p:txBody>
       </p:sp>
@@ -5680,34 +5348,14 @@
           <a:p>
             <a:r>
               <a:rPr lang="fr-FR" dirty="0"/>
-              <a:t>I</a:t>
-            </a:r>
-            <a:r>
-              <a:rPr lang="fr-FR" dirty="0" smtClean="0"/>
-              <a:t>l </a:t>
-            </a:r>
-            <a:r>
-              <a:rPr lang="fr-FR" dirty="0"/>
-              <a:t>est fréquent de considérer que les valeurs se répartissent selon une courbe de </a:t>
-            </a:r>
-            <a:r>
-              <a:rPr lang="fr-FR" dirty="0" smtClean="0"/>
-              <a:t>Gauss</a:t>
+              <a:t>Il est fréquent de considérer que les valeurs se répartissent selon une courbe de Gauss</a:t>
             </a:r>
           </a:p>
           <a:p>
             <a:pPr lvl="1"/>
             <a:r>
-              <a:rPr lang="fr-FR" dirty="0" smtClean="0"/>
-              <a:t>Dans </a:t>
-            </a:r>
-            <a:r>
-              <a:rPr lang="fr-FR" dirty="0"/>
-              <a:t>le cas des sciences sociales, par exemple, la moyenne et l'écart type permettent de déterminer un intervalle dans lequel on trouve une majorité de la </a:t>
-            </a:r>
-            <a:r>
-              <a:rPr lang="fr-FR" dirty="0" smtClean="0"/>
-              <a:t>population</a:t>
+              <a:rPr lang="fr-FR" dirty="0"/>
+              <a:t>Dans le cas des sciences sociales, par exemple, la moyenne et l'écart type permettent de déterminer un intervalle dans lequel on trouve une majorité de la population</a:t>
             </a:r>
           </a:p>
           <a:p>
@@ -5767,13 +5415,6 @@
   <p:clrMapOvr>
     <a:masterClrMapping/>
   </p:clrMapOvr>
-  <p:timing>
-    <p:tnLst>
-      <p:par>
-        <p:cTn id="1" dur="indefinite" restart="never" nodeType="tmRoot"/>
-      </p:par>
-    </p:tnLst>
-  </p:timing>
 </p:sld>
 </file>
 
@@ -5810,10 +5451,9 @@
           <a:lstStyle/>
           <a:p>
             <a:r>
-              <a:rPr lang="fr-FR" dirty="0" smtClean="0"/>
+              <a:rPr lang="fr-FR" dirty="0"/>
               <a:t>Ecart type</a:t>
             </a:r>
-            <a:endParaRPr lang="fr-FR" dirty="0"/>
           </a:p>
         </p:txBody>
       </p:sp>
@@ -5833,30 +5473,29 @@
           <a:lstStyle/>
           <a:p>
             <a:r>
-              <a:rPr lang="fr-FR" dirty="0" smtClean="0"/>
+              <a:rPr lang="fr-FR" dirty="0"/>
               <a:t>Mesure la dispersion des variables</a:t>
             </a:r>
           </a:p>
           <a:p>
             <a:pPr lvl="1"/>
             <a:r>
-              <a:rPr lang="fr-FR" dirty="0" smtClean="0"/>
+              <a:rPr lang="fr-FR" dirty="0"/>
               <a:t>Racine carrée de la variance</a:t>
             </a:r>
           </a:p>
           <a:p>
             <a:pPr lvl="1"/>
             <a:r>
-              <a:rPr lang="fr-FR" dirty="0" smtClean="0"/>
+              <a:rPr lang="fr-FR" dirty="0"/>
               <a:t>Moyenne des écarts par rapport à une moyenne</a:t>
             </a:r>
           </a:p>
           <a:p>
             <a:r>
-              <a:rPr lang="fr-FR" dirty="0" smtClean="0"/>
+              <a:rPr lang="fr-FR" dirty="0"/>
               <a:t>Voici 2 échantillons avec la même moyenne mais des écarts types différents</a:t>
             </a:r>
-            <a:endParaRPr lang="fr-FR" dirty="0"/>
           </a:p>
         </p:txBody>
       </p:sp>
@@ -5911,13 +5550,6 @@
   <p:clrMapOvr>
     <a:masterClrMapping/>
   </p:clrMapOvr>
-  <p:timing>
-    <p:tnLst>
-      <p:par>
-        <p:cTn id="1" dur="indefinite" restart="never" nodeType="tmRoot"/>
-      </p:par>
-    </p:tnLst>
-  </p:timing>
 </p:sld>
 </file>
 
@@ -5954,10 +5586,9 @@
           <a:lstStyle/>
           <a:p>
             <a:r>
-              <a:rPr lang="fr-FR" dirty="0" smtClean="0"/>
+              <a:rPr lang="fr-FR" dirty="0"/>
               <a:t>Min et max</a:t>
             </a:r>
-            <a:endParaRPr lang="fr-FR" dirty="0"/>
           </a:p>
         </p:txBody>
       </p:sp>
@@ -5977,10 +5608,9 @@
           <a:lstStyle/>
           <a:p>
             <a:r>
-              <a:rPr lang="fr-FR" dirty="0" smtClean="0"/>
+              <a:rPr lang="fr-FR" dirty="0"/>
               <a:t>Mesure le min et le max d'un vecteur</a:t>
             </a:r>
-            <a:endParaRPr lang="fr-FR" dirty="0"/>
           </a:p>
         </p:txBody>
       </p:sp>
@@ -6018,13 +5648,6 @@
   <p:clrMapOvr>
     <a:masterClrMapping/>
   </p:clrMapOvr>
-  <p:timing>
-    <p:tnLst>
-      <p:par>
-        <p:cTn id="1" dur="indefinite" restart="never" nodeType="tmRoot"/>
-      </p:par>
-    </p:tnLst>
-  </p:timing>
 </p:sld>
 </file>
 
@@ -6061,10 +5684,9 @@
           <a:lstStyle/>
           <a:p>
             <a:r>
-              <a:rPr lang="fr-FR" dirty="0" smtClean="0"/>
+              <a:rPr lang="fr-FR" dirty="0"/>
               <a:t>Dispersion de la distribution</a:t>
             </a:r>
-            <a:endParaRPr lang="fr-FR" dirty="0"/>
           </a:p>
         </p:txBody>
       </p:sp>
@@ -6085,29 +5707,13 @@
           <a:p>
             <a:r>
               <a:rPr lang="fr-FR" dirty="0"/>
-              <a:t>La variance et l'écart type sont deux mesures liées </a:t>
-            </a:r>
-            <a:r>
-              <a:rPr lang="fr-FR" dirty="0" smtClean="0"/>
-              <a:t>permettant </a:t>
-            </a:r>
-            <a:r>
-              <a:rPr lang="fr-FR" dirty="0"/>
-              <a:t>de mesure la dispersion d'une distribution par rapport à la </a:t>
-            </a:r>
-            <a:r>
-              <a:rPr lang="fr-FR" dirty="0" smtClean="0"/>
-              <a:t>moyenne</a:t>
-            </a:r>
-          </a:p>
-          <a:p>
-            <a:r>
-              <a:rPr lang="fr-FR" dirty="0" smtClean="0"/>
-              <a:t>La </a:t>
-            </a:r>
-            <a:r>
-              <a:rPr lang="fr-FR" dirty="0"/>
-              <a:t>variance que l'on peut vulgariser par la moyenne des carrés moins le carré des moyennes prendra une valeur grande si les éléments de la distribution sont généralement éloignés de la moyenne ou une valeur petite si ces éléments sont au contraire resserrés près de la moyenne.</a:t>
+              <a:t>La variance et l'écart type sont deux mesures liées permettant de mesure la dispersion d'une distribution par rapport à la moyenne</a:t>
+            </a:r>
+          </a:p>
+          <a:p>
+            <a:r>
+              <a:rPr lang="fr-FR" dirty="0"/>
+              <a:t>La variance que l'on peut vulgariser par la moyenne des carrés moins le carré des moyennes prendra une valeur grande si les éléments de la distribution sont généralement éloignés de la moyenne ou une valeur petite si ces éléments sont au contraire resserrés près de la moyenne.</a:t>
             </a:r>
           </a:p>
         </p:txBody>
@@ -6146,13 +5752,6 @@
   <p:clrMapOvr>
     <a:masterClrMapping/>
   </p:clrMapOvr>
-  <p:timing>
-    <p:tnLst>
-      <p:par>
-        <p:cTn id="1" dur="indefinite" restart="never" nodeType="tmRoot"/>
-      </p:par>
-    </p:tnLst>
-  </p:timing>
 </p:sld>
 </file>
 
@@ -6189,10 +5788,9 @@
           <a:lstStyle/>
           <a:p>
             <a:r>
-              <a:rPr lang="fr-FR" dirty="0" smtClean="0"/>
+              <a:rPr lang="fr-FR" dirty="0"/>
               <a:t>Loi normale</a:t>
             </a:r>
-            <a:endParaRPr lang="fr-FR" dirty="0"/>
           </a:p>
         </p:txBody>
       </p:sp>
@@ -6212,25 +5810,25 @@
           <a:lstStyle/>
           <a:p>
             <a:r>
-              <a:rPr lang="fr-FR" dirty="0" smtClean="0"/>
+              <a:rPr lang="fr-FR" dirty="0"/>
               <a:t>Avec le calcul de la distribution des données il est possible de filtrer les données trop éloignées de la loi normale</a:t>
             </a:r>
           </a:p>
           <a:p>
             <a:pPr lvl="1"/>
             <a:r>
-              <a:rPr lang="fr-FR" dirty="0" smtClean="0"/>
+              <a:rPr lang="fr-FR" dirty="0"/>
               <a:t>Possibilité de filtrer les données &gt; 3 * </a:t>
             </a:r>
             <a:r>
-              <a:rPr lang="fr-FR" dirty="0" err="1" smtClean="0"/>
+              <a:rPr lang="fr-FR" dirty="0" err="1"/>
               <a:t>EcartType</a:t>
             </a:r>
-            <a:endParaRPr lang="fr-FR" dirty="0" smtClean="0"/>
+            <a:endParaRPr lang="fr-FR" dirty="0"/>
           </a:p>
           <a:p>
             <a:pPr lvl="1"/>
-            <a:endParaRPr lang="fr-FR" dirty="0" smtClean="0"/>
+            <a:endParaRPr lang="fr-FR" dirty="0"/>
           </a:p>
         </p:txBody>
       </p:sp>
@@ -6244,13 +5842,6 @@
   <p:clrMapOvr>
     <a:masterClrMapping/>
   </p:clrMapOvr>
-  <p:timing>
-    <p:tnLst>
-      <p:par>
-        <p:cTn id="1" dur="indefinite" restart="never" nodeType="tmRoot"/>
-      </p:par>
-    </p:tnLst>
-  </p:timing>
 </p:sld>
 </file>
 
@@ -6287,10 +5878,9 @@
           <a:lstStyle/>
           <a:p>
             <a:r>
-              <a:rPr lang="fr-FR" dirty="0" smtClean="0"/>
+              <a:rPr lang="fr-FR" dirty="0"/>
               <a:t>Cas non gaussien</a:t>
             </a:r>
-            <a:endParaRPr lang="fr-FR" dirty="0"/>
           </a:p>
         </p:txBody>
       </p:sp>
@@ -6310,53 +5900,53 @@
           <a:lstStyle/>
           <a:p>
             <a:r>
-              <a:rPr lang="fr-FR" dirty="0" smtClean="0"/>
+              <a:rPr lang="fr-FR" dirty="0"/>
               <a:t>Les distribution des salaire en France ne suit pas une gaussienne</a:t>
             </a:r>
           </a:p>
           <a:p>
             <a:pPr lvl="1"/>
             <a:r>
-              <a:rPr lang="fr-FR" dirty="0" smtClean="0"/>
+              <a:rPr lang="fr-FR" dirty="0"/>
               <a:t>C’est une gaussienne asymétrique</a:t>
             </a:r>
           </a:p>
           <a:p>
             <a:r>
-              <a:rPr lang="fr-FR" dirty="0" smtClean="0"/>
+              <a:rPr lang="fr-FR" dirty="0"/>
               <a:t>La moyenne et l’écart type n’ont pas de sens</a:t>
             </a:r>
           </a:p>
           <a:p>
             <a:r>
-              <a:rPr lang="fr-FR" dirty="0" smtClean="0"/>
+              <a:rPr lang="fr-FR" dirty="0"/>
               <a:t>Il faut utilise la médiane et les *iles</a:t>
             </a:r>
           </a:p>
           <a:p>
             <a:r>
-              <a:rPr lang="fr-FR" dirty="0" smtClean="0"/>
+              <a:rPr lang="fr-FR" dirty="0"/>
               <a:t>Exemple</a:t>
             </a:r>
           </a:p>
           <a:p>
             <a:pPr lvl="1"/>
             <a:r>
-              <a:rPr lang="fr-FR" dirty="0" smtClean="0"/>
+              <a:rPr lang="fr-FR" dirty="0"/>
               <a:t>Salaire équivalent temps plein net</a:t>
             </a:r>
           </a:p>
           <a:p>
             <a:pPr lvl="1"/>
             <a:r>
-              <a:rPr lang="fr-FR" dirty="0" smtClean="0"/>
+              <a:rPr lang="fr-FR" dirty="0"/>
               <a:t>Salaire moyen : 2250 €</a:t>
             </a:r>
           </a:p>
           <a:p>
             <a:pPr lvl="1"/>
             <a:r>
-              <a:rPr lang="fr-FR" dirty="0" smtClean="0"/>
+              <a:rPr lang="fr-FR" dirty="0"/>
               <a:t>Salaire médian : 1797 €</a:t>
             </a:r>
           </a:p>
@@ -6417,13 +6007,6 @@
   <p:clrMapOvr>
     <a:masterClrMapping/>
   </p:clrMapOvr>
-  <p:timing>
-    <p:tnLst>
-      <p:par>
-        <p:cTn id="1" dur="indefinite" restart="never" nodeType="tmRoot"/>
-      </p:par>
-    </p:tnLst>
-  </p:timing>
 </p:sld>
 </file>
 
